--- a/ПМ.01/ПМ.01.Стрельников. Презентация.pptx
+++ b/ПМ.01/ПМ.01.Стрельников. Презентация.pptx
@@ -6105,7 +6105,7 @@
                   </a:schemeClr>
                 </a:solidFill>
               </a:rPr>
-              <a:t> Отчет по УП.01 стр. 12</a:t>
+              <a:t> Отчет по УП.01 стр. 15</a:t>
             </a:r>
           </a:p>
         </p:txBody>
@@ -7191,7 +7191,7 @@
         </p:blipFill>
         <p:spPr bwMode="auto">
           <a:xfrm>
-            <a:off x="1942676" y="1797049"/>
+            <a:off x="4153044" y="1816504"/>
             <a:ext cx="1645247" cy="4157663"/>
           </a:xfrm>
           <a:prstGeom prst="rect">
@@ -7236,7 +7236,7 @@
         </p:nvSpPr>
         <p:spPr>
           <a:xfrm>
-            <a:off x="1501171" y="6100761"/>
+            <a:off x="3787171" y="6139671"/>
             <a:ext cx="2528256" cy="646331"/>
           </a:xfrm>
           <a:prstGeom prst="rect">
@@ -7343,31 +7343,6 @@
               <a:rPr lang="ru-RU" dirty="0"/>
               <a:t>Спасибо за внимание!</a:t>
             </a:r>
-          </a:p>
-        </p:txBody>
-      </p:sp>
-      <p:sp>
-        <p:nvSpPr>
-          <p:cNvPr id="3" name="Объект 2">
-            <a:extLst>
-              <a:ext uri="{FF2B5EF4-FFF2-40B4-BE49-F238E27FC236}">
-                <a16:creationId xmlns:a16="http://schemas.microsoft.com/office/drawing/2014/main" id="{B87BF255-0D66-4CCA-82BD-F85C9531FB0A}"/>
-              </a:ext>
-            </a:extLst>
-          </p:cNvPr>
-          <p:cNvSpPr>
-            <a:spLocks noGrp="1"/>
-          </p:cNvSpPr>
-          <p:nvPr>
-            <p:ph idx="1"/>
-          </p:nvPr>
-        </p:nvSpPr>
-        <p:spPr/>
-        <p:txBody>
-          <a:bodyPr/>
-          <a:lstStyle/>
-          <a:p>
-            <a:endParaRPr lang="ru-RU" dirty="0"/>
           </a:p>
         </p:txBody>
       </p:sp>
@@ -10741,7 +10716,7 @@
         </p:blipFill>
         <p:spPr>
           <a:xfrm>
-            <a:off x="3621505" y="1672039"/>
+            <a:off x="2964852" y="1674674"/>
             <a:ext cx="4211740" cy="5185961"/>
           </a:xfrm>
           <a:prstGeom prst="rect">
@@ -10771,7 +10746,7 @@
         </p:blipFill>
         <p:spPr>
           <a:xfrm>
-            <a:off x="7833245" y="1677198"/>
+            <a:off x="7284732" y="1677253"/>
             <a:ext cx="4358755" cy="5180802"/>
           </a:xfrm>
           <a:prstGeom prst="rect">
@@ -11106,7 +11081,7 @@
         </p:blipFill>
         <p:spPr>
           <a:xfrm>
-            <a:off x="3673148" y="1677818"/>
+            <a:off x="2917998" y="1677818"/>
             <a:ext cx="4259427" cy="5180181"/>
           </a:xfrm>
           <a:prstGeom prst="rect">
@@ -11136,7 +11111,7 @@
         </p:blipFill>
         <p:spPr>
           <a:xfrm>
-            <a:off x="7932575" y="1677819"/>
+            <a:off x="7288376" y="1677817"/>
             <a:ext cx="4259426" cy="5180181"/>
           </a:xfrm>
           <a:prstGeom prst="rect">
@@ -11343,8 +11318,8 @@
         </p:nvSpPr>
         <p:spPr>
           <a:xfrm>
-            <a:off x="6963834" y="5602069"/>
-            <a:ext cx="2238113" cy="646331"/>
+            <a:off x="6963834" y="5154597"/>
+            <a:ext cx="2497800" cy="923330"/>
           </a:xfrm>
           <a:prstGeom prst="rect">
             <a:avLst/>
@@ -11377,7 +11352,19 @@
                   </a:schemeClr>
                 </a:solidFill>
               </a:rPr>
-              <a:t>Крестики – нолики</a:t>
+              <a:t>«Крестики – нолики»,</a:t>
+            </a:r>
+          </a:p>
+          <a:p>
+            <a:r>
+              <a:rPr lang="ru-RU" dirty="0">
+                <a:solidFill>
+                  <a:schemeClr val="bg2">
+                    <a:lumMod val="50000"/>
+                  </a:schemeClr>
+                </a:solidFill>
+              </a:rPr>
+              <a:t>Л №32</a:t>
             </a:r>
             <a:endParaRPr lang="en-US" dirty="0">
               <a:solidFill>
@@ -11550,8 +11537,8 @@
         </p:nvSpPr>
         <p:spPr>
           <a:xfrm>
-            <a:off x="7230979" y="4255869"/>
-            <a:ext cx="2691763" cy="646331"/>
+            <a:off x="677334" y="5325070"/>
+            <a:ext cx="2691763" cy="923330"/>
           </a:xfrm>
           <a:prstGeom prst="rect">
             <a:avLst/>
@@ -11611,9 +11598,27 @@
                   </a:schemeClr>
                 </a:solidFill>
               </a:rPr>
-              <a:t>Отчет по УП.01, стр. 12</a:t>
-            </a:r>
-            <a:endParaRPr lang="ru-RU" dirty="0"/>
+              <a:t>Отчет по УП.01, стр. 15</a:t>
+            </a:r>
+          </a:p>
+          <a:p>
+            <a:r>
+              <a:rPr lang="ru-RU" dirty="0">
+                <a:solidFill>
+                  <a:schemeClr val="bg2">
+                    <a:lumMod val="50000"/>
+                  </a:schemeClr>
+                </a:solidFill>
+              </a:rPr>
+              <a:t>Л №32</a:t>
+            </a:r>
+            <a:endParaRPr lang="en-US" dirty="0">
+              <a:solidFill>
+                <a:schemeClr val="bg2">
+                  <a:lumMod val="50000"/>
+                </a:schemeClr>
+              </a:solidFill>
+            </a:endParaRPr>
           </a:p>
         </p:txBody>
       </p:sp>
@@ -11849,7 +11854,7 @@
         <p:spPr>
           <a:xfrm>
             <a:off x="677334" y="3823380"/>
-            <a:ext cx="2169184" cy="646331"/>
+            <a:ext cx="2412840" cy="923330"/>
           </a:xfrm>
           <a:prstGeom prst="rect">
             <a:avLst/>
@@ -11885,14 +11890,26 @@
           </a:p>
           <a:p>
             <a:r>
-              <a:rPr lang="ru-RU">
+              <a:rPr lang="ru-RU" dirty="0">
                 <a:solidFill>
                   <a:schemeClr val="bg2">
                     <a:lumMod val="50000"/>
                   </a:schemeClr>
                 </a:solidFill>
               </a:rPr>
-              <a:t>Крестики – нолики</a:t>
+              <a:t>«Крестики – нолики»</a:t>
+            </a:r>
+          </a:p>
+          <a:p>
+            <a:r>
+              <a:rPr lang="ru-RU" dirty="0">
+                <a:solidFill>
+                  <a:schemeClr val="bg2">
+                    <a:lumMod val="50000"/>
+                  </a:schemeClr>
+                </a:solidFill>
+              </a:rPr>
+              <a:t>Л №31</a:t>
             </a:r>
             <a:endParaRPr lang="en-US" dirty="0">
               <a:solidFill>

--- a/ПМ.01/ПМ.01.Стрельников. Презентация.pptx
+++ b/ПМ.01/ПМ.01.Стрельников. Презентация.pptx
@@ -5899,6 +5899,19 @@
               </a:rPr>
               <a:t>По модулю ПМ.01 «Разработка программных модулей программного обеспечения для компьютерных систем»</a:t>
             </a:r>
+            <a:br>
+              <a:rPr lang="ru-RU" sz="3600" dirty="0">
+                <a:latin typeface="Times New Roman" panose="02020603050405020304" pitchFamily="18" charset="0"/>
+                <a:cs typeface="Times New Roman" panose="02020603050405020304" pitchFamily="18" charset="0"/>
+              </a:rPr>
+            </a:br>
+            <a:r>
+              <a:rPr lang="ru-RU" sz="3600" dirty="0">
+                <a:latin typeface="Times New Roman" panose="02020603050405020304" pitchFamily="18" charset="0"/>
+                <a:cs typeface="Times New Roman" panose="02020603050405020304" pitchFamily="18" charset="0"/>
+              </a:rPr>
+              <a:t>Билет №19</a:t>
+            </a:r>
             <a:endParaRPr lang="ru-RU" sz="3600" dirty="0"/>
           </a:p>
         </p:txBody>
@@ -5919,22 +5932,31 @@
             <p:ph type="subTitle" idx="1"/>
           </p:nvPr>
         </p:nvSpPr>
-        <p:spPr/>
+        <p:spPr>
+          <a:xfrm>
+            <a:off x="1507067" y="4050833"/>
+            <a:ext cx="7695299" cy="1863584"/>
+          </a:xfrm>
+        </p:spPr>
         <p:txBody>
           <a:bodyPr>
-            <a:normAutofit lnSpcReduction="10000"/>
+            <a:normAutofit/>
           </a:bodyPr>
           <a:lstStyle/>
           <a:p>
             <a:r>
+              <a:rPr lang="ru-RU"/>
+              <a:t>Выполнил </a:t>
+            </a:r>
+          </a:p>
+          <a:p>
+            <a:r>
+              <a:rPr lang="ru-RU"/>
+              <a:t>Студент </a:t>
+            </a:r>
+            <a:r>
               <a:rPr lang="ru-RU" dirty="0"/>
-              <a:t>Выполнил</a:t>
-            </a:r>
-          </a:p>
-          <a:p>
-            <a:r>
-              <a:rPr lang="ru-RU" dirty="0"/>
-              <a:t>Студент группы П2-17</a:t>
+              <a:t>группы П2-17</a:t>
             </a:r>
           </a:p>
           <a:p>
@@ -5942,6 +5964,9 @@
               <a:rPr lang="ru-RU" dirty="0"/>
               <a:t>Стрельников Сергей</a:t>
             </a:r>
+          </a:p>
+          <a:p>
+            <a:endParaRPr lang="ru-RU" dirty="0"/>
           </a:p>
           <a:p>
             <a:endParaRPr lang="ru-RU" dirty="0"/>
